--- a/img/Blog/Blog.pptx
+++ b/img/Blog/Blog.pptx
@@ -10,15 +10,15 @@
     <p:notesMasterId r:id="rId13"/>
   </p:notesMasterIdLst>
   <p:sldIdLst>
-    <p:sldId id="257" r:id="rId4"/>
-    <p:sldId id="256" r:id="rId5"/>
-    <p:sldId id="269" r:id="rId6"/>
+    <p:sldId id="273" r:id="rId4"/>
+    <p:sldId id="274" r:id="rId5"/>
+    <p:sldId id="275" r:id="rId6"/>
     <p:sldId id="268" r:id="rId7"/>
     <p:sldId id="271" r:id="rId8"/>
     <p:sldId id="272" r:id="rId9"/>
-    <p:sldId id="273" r:id="rId10"/>
-    <p:sldId id="274" r:id="rId11"/>
-    <p:sldId id="275" r:id="rId12"/>
+    <p:sldId id="257" r:id="rId10"/>
+    <p:sldId id="256" r:id="rId11"/>
+    <p:sldId id="269" r:id="rId12"/>
   </p:sldIdLst>
   <p:sldSz cx="18000663" cy="18000663"/>
   <p:notesSz cx="6858000" cy="9144000"/>
@@ -120,11 +120,11 @@
   <p:extLst>
     <p:ext uri="{521415D9-36F7-43E2-AB2F-B90AF26B5E84}">
       <p14:sectionLst xmlns:p14="http://schemas.microsoft.com/office/powerpoint/2010/main">
-        <p14:section name="MLSA 卒業式＆歓迎会！" id="{17311EF5-6F4E-4C93-A686-97EDCD9A49BC}">
+        <p14:section name="学生ハンズオン" id="{16A84CAA-CD84-4A44-899C-48825C965E05}">
           <p14:sldIdLst>
-            <p14:sldId id="257"/>
-            <p14:sldId id="256"/>
-            <p14:sldId id="269"/>
+            <p14:sldId id="273"/>
+            <p14:sldId id="274"/>
+            <p14:sldId id="275"/>
           </p14:sldIdLst>
         </p14:section>
         <p14:section name="Azure FunctionsとChatGPT APIでLINE Botをつくってみよう" id="{B423EEC1-E446-4DAE-905A-25E5E0CD76C6}">
@@ -134,11 +134,11 @@
             <p14:sldId id="272"/>
           </p14:sldIdLst>
         </p14:section>
-        <p14:section name="学生ハンズオン" id="{16A84CAA-CD84-4A44-899C-48825C965E05}">
+        <p14:section name="MLSA 卒業式＆歓迎会！" id="{17311EF5-6F4E-4C93-A686-97EDCD9A49BC}">
           <p14:sldIdLst>
-            <p14:sldId id="273"/>
-            <p14:sldId id="274"/>
-            <p14:sldId id="275"/>
+            <p14:sldId id="257"/>
+            <p14:sldId id="256"/>
+            <p14:sldId id="269"/>
           </p14:sldIdLst>
         </p14:section>
       </p14:sectionLst>
@@ -577,7 +577,7 @@
           <a:p>
             <a:r>
               <a:rPr kumimoji="1" lang="en-US" altLang="ja-JP" dirty="0"/>
-              <a:t>https://mspjp.connpass.com/event/272926/</a:t>
+              <a:t>https://microsoft-events.connpass.com/event/286539/</a:t>
             </a:r>
             <a:endParaRPr kumimoji="1" lang="ja-JP" altLang="en-US" dirty="0"/>
           </a:p>
@@ -609,7 +609,7 @@
     </p:spTree>
     <p:extLst>
       <p:ext uri="{BB962C8B-B14F-4D97-AF65-F5344CB8AC3E}">
-        <p14:creationId xmlns:p14="http://schemas.microsoft.com/office/powerpoint/2010/main" val="3525591284"/>
+        <p14:creationId xmlns:p14="http://schemas.microsoft.com/office/powerpoint/2010/main" val="2690082128"/>
       </p:ext>
     </p:extLst>
   </p:cSld>
@@ -753,7 +753,7 @@
           <a:p>
             <a:r>
               <a:rPr kumimoji="1" lang="en-US" altLang="ja-JP" dirty="0"/>
-              <a:t>https://microsoft-events.connpass.com/event/286539/</a:t>
+              <a:t>https://mspjp.connpass.com/event/272926/</a:t>
             </a:r>
             <a:endParaRPr kumimoji="1" lang="ja-JP" altLang="en-US" dirty="0"/>
           </a:p>
@@ -785,7 +785,7 @@
     </p:spTree>
     <p:extLst>
       <p:ext uri="{BB962C8B-B14F-4D97-AF65-F5344CB8AC3E}">
-        <p14:creationId xmlns:p14="http://schemas.microsoft.com/office/powerpoint/2010/main" val="2690082128"/>
+        <p14:creationId xmlns:p14="http://schemas.microsoft.com/office/powerpoint/2010/main" val="3525591284"/>
       </p:ext>
     </p:extLst>
   </p:cSld>
@@ -18179,27 +18179,39 @@
           <a:lstStyle/>
           <a:p>
             <a:r>
-              <a:rPr lang="it-IT" altLang="ja-JP" sz="8000" dirty="0"/>
-              <a:t>MLSA </a:t>
-            </a:r>
-            <a:r>
-              <a:rPr lang="ja-JP" altLang="it-IT" sz="8000" dirty="0"/>
-              <a:t>卒業式＆歓迎会！</a:t>
+              <a:rPr lang="ja-JP" altLang="en-US" sz="8000" dirty="0"/>
+              <a:t>学生ハンズオン </a:t>
             </a:r>
             <a:br>
               <a:rPr lang="en-US" altLang="ja-JP" sz="8000" dirty="0"/>
             </a:br>
             <a:r>
-              <a:rPr lang="it-IT" altLang="ja-JP" sz="8000" dirty="0"/>
-              <a:t>@Microsoft Base</a:t>
+              <a:rPr lang="en-US" altLang="ja-JP" sz="8000" dirty="0"/>
+              <a:t>~ChatGPT</a:t>
             </a:r>
             <a:r>
               <a:rPr lang="ja-JP" altLang="en-US" sz="8000" dirty="0"/>
-              <a:t>　</a:t>
-            </a:r>
-            <a:r>
-              <a:rPr lang="ja-JP" altLang="it-IT" sz="8000" dirty="0"/>
-              <a:t>代官山</a:t>
+              <a:t>を使った</a:t>
+            </a:r>
+            <a:r>
+              <a:rPr lang="en-US" altLang="ja-JP" sz="8000" dirty="0"/>
+              <a:t>LINE Bot</a:t>
+            </a:r>
+            <a:r>
+              <a:rPr lang="ja-JP" altLang="en-US" sz="8000" dirty="0"/>
+              <a:t>を</a:t>
+            </a:r>
+            <a:r>
+              <a:rPr lang="en-US" altLang="ja-JP" sz="8000" dirty="0"/>
+              <a:t>Azure</a:t>
+            </a:r>
+            <a:r>
+              <a:rPr lang="ja-JP" altLang="en-US" sz="8000" dirty="0"/>
+              <a:t>で作成してみよう！</a:t>
+            </a:r>
+            <a:r>
+              <a:rPr lang="en-US" altLang="ja-JP" sz="8000" dirty="0"/>
+              <a:t>~</a:t>
             </a:r>
             <a:endParaRPr lang="ja-JP" altLang="en-US" sz="8000" dirty="0"/>
           </a:p>
@@ -18254,7 +18266,7 @@
     </p:spTree>
     <p:extLst>
       <p:ext uri="{BB962C8B-B14F-4D97-AF65-F5344CB8AC3E}">
-        <p14:creationId xmlns:p14="http://schemas.microsoft.com/office/powerpoint/2010/main" val="1117786456"/>
+        <p14:creationId xmlns:p14="http://schemas.microsoft.com/office/powerpoint/2010/main" val="3891438780"/>
       </p:ext>
     </p:extLst>
   </p:cSld>
@@ -18341,7 +18353,7 @@
     </p:spTree>
     <p:extLst>
       <p:ext uri="{BB962C8B-B14F-4D97-AF65-F5344CB8AC3E}">
-        <p14:creationId xmlns:p14="http://schemas.microsoft.com/office/powerpoint/2010/main" val="3655302279"/>
+        <p14:creationId xmlns:p14="http://schemas.microsoft.com/office/powerpoint/2010/main" val="805981947"/>
       </p:ext>
     </p:extLst>
   </p:cSld>
@@ -18428,7 +18440,7 @@
     </p:spTree>
     <p:extLst>
       <p:ext uri="{BB962C8B-B14F-4D97-AF65-F5344CB8AC3E}">
-        <p14:creationId xmlns:p14="http://schemas.microsoft.com/office/powerpoint/2010/main" val="532655020"/>
+        <p14:creationId xmlns:p14="http://schemas.microsoft.com/office/powerpoint/2010/main" val="454250926"/>
       </p:ext>
     </p:extLst>
   </p:cSld>
@@ -18779,39 +18791,27 @@
           <a:lstStyle/>
           <a:p>
             <a:r>
-              <a:rPr lang="ja-JP" altLang="en-US" sz="8000" dirty="0"/>
-              <a:t>学生ハンズオン </a:t>
+              <a:rPr lang="it-IT" altLang="ja-JP" sz="8000" dirty="0"/>
+              <a:t>MLSA </a:t>
+            </a:r>
+            <a:r>
+              <a:rPr lang="ja-JP" altLang="it-IT" sz="8000" dirty="0"/>
+              <a:t>卒業式＆歓迎会！</a:t>
             </a:r>
             <a:br>
               <a:rPr lang="en-US" altLang="ja-JP" sz="8000" dirty="0"/>
             </a:br>
             <a:r>
-              <a:rPr lang="en-US" altLang="ja-JP" sz="8000" dirty="0"/>
-              <a:t>~ChatGPT</a:t>
+              <a:rPr lang="it-IT" altLang="ja-JP" sz="8000" dirty="0"/>
+              <a:t>@Microsoft Base</a:t>
             </a:r>
             <a:r>
               <a:rPr lang="ja-JP" altLang="en-US" sz="8000" dirty="0"/>
-              <a:t>を使った</a:t>
-            </a:r>
-            <a:r>
-              <a:rPr lang="en-US" altLang="ja-JP" sz="8000" dirty="0"/>
-              <a:t>LINE Bot</a:t>
-            </a:r>
-            <a:r>
-              <a:rPr lang="ja-JP" altLang="en-US" sz="8000" dirty="0"/>
-              <a:t>を</a:t>
-            </a:r>
-            <a:r>
-              <a:rPr lang="en-US" altLang="ja-JP" sz="8000" dirty="0"/>
-              <a:t>Azure</a:t>
-            </a:r>
-            <a:r>
-              <a:rPr lang="ja-JP" altLang="en-US" sz="8000" dirty="0"/>
-              <a:t>で作成してみよう！</a:t>
-            </a:r>
-            <a:r>
-              <a:rPr lang="en-US" altLang="ja-JP" sz="8000" dirty="0"/>
-              <a:t>~</a:t>
+              <a:t>　</a:t>
+            </a:r>
+            <a:r>
+              <a:rPr lang="ja-JP" altLang="it-IT" sz="8000" dirty="0"/>
+              <a:t>代官山</a:t>
             </a:r>
             <a:endParaRPr lang="ja-JP" altLang="en-US" sz="8000" dirty="0"/>
           </a:p>
@@ -18866,7 +18866,7 @@
     </p:spTree>
     <p:extLst>
       <p:ext uri="{BB962C8B-B14F-4D97-AF65-F5344CB8AC3E}">
-        <p14:creationId xmlns:p14="http://schemas.microsoft.com/office/powerpoint/2010/main" val="3891438780"/>
+        <p14:creationId xmlns:p14="http://schemas.microsoft.com/office/powerpoint/2010/main" val="1117786456"/>
       </p:ext>
     </p:extLst>
   </p:cSld>
@@ -18953,7 +18953,7 @@
     </p:spTree>
     <p:extLst>
       <p:ext uri="{BB962C8B-B14F-4D97-AF65-F5344CB8AC3E}">
-        <p14:creationId xmlns:p14="http://schemas.microsoft.com/office/powerpoint/2010/main" val="805981947"/>
+        <p14:creationId xmlns:p14="http://schemas.microsoft.com/office/powerpoint/2010/main" val="3655302279"/>
       </p:ext>
     </p:extLst>
   </p:cSld>
@@ -19040,7 +19040,7 @@
     </p:spTree>
     <p:extLst>
       <p:ext uri="{BB962C8B-B14F-4D97-AF65-F5344CB8AC3E}">
-        <p14:creationId xmlns:p14="http://schemas.microsoft.com/office/powerpoint/2010/main" val="454250926"/>
+        <p14:creationId xmlns:p14="http://schemas.microsoft.com/office/powerpoint/2010/main" val="532655020"/>
       </p:ext>
     </p:extLst>
   </p:cSld>

--- a/img/Blog/Blog.pptx
+++ b/img/Blog/Blog.pptx
@@ -10,15 +10,15 @@
     <p:notesMasterId r:id="rId13"/>
   </p:notesMasterIdLst>
   <p:sldIdLst>
-    <p:sldId id="273" r:id="rId4"/>
-    <p:sldId id="274" r:id="rId5"/>
-    <p:sldId id="275" r:id="rId6"/>
+    <p:sldId id="257" r:id="rId4"/>
+    <p:sldId id="256" r:id="rId5"/>
+    <p:sldId id="269" r:id="rId6"/>
     <p:sldId id="268" r:id="rId7"/>
     <p:sldId id="271" r:id="rId8"/>
     <p:sldId id="272" r:id="rId9"/>
-    <p:sldId id="257" r:id="rId10"/>
-    <p:sldId id="256" r:id="rId11"/>
-    <p:sldId id="269" r:id="rId12"/>
+    <p:sldId id="273" r:id="rId10"/>
+    <p:sldId id="274" r:id="rId11"/>
+    <p:sldId id="275" r:id="rId12"/>
   </p:sldIdLst>
   <p:sldSz cx="18000663" cy="18000663"/>
   <p:notesSz cx="6858000" cy="9144000"/>
@@ -120,11 +120,11 @@
   <p:extLst>
     <p:ext uri="{521415D9-36F7-43E2-AB2F-B90AF26B5E84}">
       <p14:sectionLst xmlns:p14="http://schemas.microsoft.com/office/powerpoint/2010/main">
-        <p14:section name="学生ハンズオン" id="{16A84CAA-CD84-4A44-899C-48825C965E05}">
+        <p14:section name="MLSA 卒業式＆歓迎会！" id="{17311EF5-6F4E-4C93-A686-97EDCD9A49BC}">
           <p14:sldIdLst>
-            <p14:sldId id="273"/>
-            <p14:sldId id="274"/>
-            <p14:sldId id="275"/>
+            <p14:sldId id="257"/>
+            <p14:sldId id="256"/>
+            <p14:sldId id="269"/>
           </p14:sldIdLst>
         </p14:section>
         <p14:section name="Azure FunctionsとChatGPT APIでLINE Botをつくってみよう" id="{B423EEC1-E446-4DAE-905A-25E5E0CD76C6}">
@@ -134,11 +134,11 @@
             <p14:sldId id="272"/>
           </p14:sldIdLst>
         </p14:section>
-        <p14:section name="MLSA 卒業式＆歓迎会！" id="{17311EF5-6F4E-4C93-A686-97EDCD9A49BC}">
+        <p14:section name="学生ハンズオン" id="{16A84CAA-CD84-4A44-899C-48825C965E05}">
           <p14:sldIdLst>
-            <p14:sldId id="257"/>
-            <p14:sldId id="256"/>
-            <p14:sldId id="269"/>
+            <p14:sldId id="273"/>
+            <p14:sldId id="274"/>
+            <p14:sldId id="275"/>
           </p14:sldIdLst>
         </p14:section>
       </p14:sectionLst>
@@ -577,7 +577,7 @@
           <a:p>
             <a:r>
               <a:rPr kumimoji="1" lang="en-US" altLang="ja-JP" dirty="0"/>
-              <a:t>https://microsoft-events.connpass.com/event/286539/</a:t>
+              <a:t>https://mspjp.connpass.com/event/272926/</a:t>
             </a:r>
             <a:endParaRPr kumimoji="1" lang="ja-JP" altLang="en-US" dirty="0"/>
           </a:p>
@@ -609,7 +609,7 @@
     </p:spTree>
     <p:extLst>
       <p:ext uri="{BB962C8B-B14F-4D97-AF65-F5344CB8AC3E}">
-        <p14:creationId xmlns:p14="http://schemas.microsoft.com/office/powerpoint/2010/main" val="2690082128"/>
+        <p14:creationId xmlns:p14="http://schemas.microsoft.com/office/powerpoint/2010/main" val="3525591284"/>
       </p:ext>
     </p:extLst>
   </p:cSld>
@@ -753,7 +753,7 @@
           <a:p>
             <a:r>
               <a:rPr kumimoji="1" lang="en-US" altLang="ja-JP" dirty="0"/>
-              <a:t>https://mspjp.connpass.com/event/272926/</a:t>
+              <a:t>https://microsoft-events.connpass.com/event/286539/</a:t>
             </a:r>
             <a:endParaRPr kumimoji="1" lang="ja-JP" altLang="en-US" dirty="0"/>
           </a:p>
@@ -785,7 +785,7 @@
     </p:spTree>
     <p:extLst>
       <p:ext uri="{BB962C8B-B14F-4D97-AF65-F5344CB8AC3E}">
-        <p14:creationId xmlns:p14="http://schemas.microsoft.com/office/powerpoint/2010/main" val="3525591284"/>
+        <p14:creationId xmlns:p14="http://schemas.microsoft.com/office/powerpoint/2010/main" val="2690082128"/>
       </p:ext>
     </p:extLst>
   </p:cSld>
@@ -18179,39 +18179,27 @@
           <a:lstStyle/>
           <a:p>
             <a:r>
-              <a:rPr lang="ja-JP" altLang="en-US" sz="8000" dirty="0"/>
-              <a:t>学生ハンズオン </a:t>
+              <a:rPr lang="it-IT" altLang="ja-JP" sz="8000" dirty="0"/>
+              <a:t>MLSA </a:t>
+            </a:r>
+            <a:r>
+              <a:rPr lang="ja-JP" altLang="it-IT" sz="8000" dirty="0"/>
+              <a:t>卒業式＆歓迎会！</a:t>
             </a:r>
             <a:br>
               <a:rPr lang="en-US" altLang="ja-JP" sz="8000" dirty="0"/>
             </a:br>
             <a:r>
-              <a:rPr lang="en-US" altLang="ja-JP" sz="8000" dirty="0"/>
-              <a:t>~ChatGPT</a:t>
+              <a:rPr lang="it-IT" altLang="ja-JP" sz="8000" dirty="0"/>
+              <a:t>@Microsoft Base</a:t>
             </a:r>
             <a:r>
               <a:rPr lang="ja-JP" altLang="en-US" sz="8000" dirty="0"/>
-              <a:t>を使った</a:t>
-            </a:r>
-            <a:r>
-              <a:rPr lang="en-US" altLang="ja-JP" sz="8000" dirty="0"/>
-              <a:t>LINE Bot</a:t>
-            </a:r>
-            <a:r>
-              <a:rPr lang="ja-JP" altLang="en-US" sz="8000" dirty="0"/>
-              <a:t>を</a:t>
-            </a:r>
-            <a:r>
-              <a:rPr lang="en-US" altLang="ja-JP" sz="8000" dirty="0"/>
-              <a:t>Azure</a:t>
-            </a:r>
-            <a:r>
-              <a:rPr lang="ja-JP" altLang="en-US" sz="8000" dirty="0"/>
-              <a:t>で作成してみよう！</a:t>
-            </a:r>
-            <a:r>
-              <a:rPr lang="en-US" altLang="ja-JP" sz="8000" dirty="0"/>
-              <a:t>~</a:t>
+              <a:t>　</a:t>
+            </a:r>
+            <a:r>
+              <a:rPr lang="ja-JP" altLang="it-IT" sz="8000" dirty="0"/>
+              <a:t>代官山</a:t>
             </a:r>
             <a:endParaRPr lang="ja-JP" altLang="en-US" sz="8000" dirty="0"/>
           </a:p>
@@ -18266,7 +18254,7 @@
     </p:spTree>
     <p:extLst>
       <p:ext uri="{BB962C8B-B14F-4D97-AF65-F5344CB8AC3E}">
-        <p14:creationId xmlns:p14="http://schemas.microsoft.com/office/powerpoint/2010/main" val="3891438780"/>
+        <p14:creationId xmlns:p14="http://schemas.microsoft.com/office/powerpoint/2010/main" val="1117786456"/>
       </p:ext>
     </p:extLst>
   </p:cSld>
@@ -18353,7 +18341,7 @@
     </p:spTree>
     <p:extLst>
       <p:ext uri="{BB962C8B-B14F-4D97-AF65-F5344CB8AC3E}">
-        <p14:creationId xmlns:p14="http://schemas.microsoft.com/office/powerpoint/2010/main" val="805981947"/>
+        <p14:creationId xmlns:p14="http://schemas.microsoft.com/office/powerpoint/2010/main" val="3655302279"/>
       </p:ext>
     </p:extLst>
   </p:cSld>
@@ -18440,7 +18428,7 @@
     </p:spTree>
     <p:extLst>
       <p:ext uri="{BB962C8B-B14F-4D97-AF65-F5344CB8AC3E}">
-        <p14:creationId xmlns:p14="http://schemas.microsoft.com/office/powerpoint/2010/main" val="454250926"/>
+        <p14:creationId xmlns:p14="http://schemas.microsoft.com/office/powerpoint/2010/main" val="532655020"/>
       </p:ext>
     </p:extLst>
   </p:cSld>
@@ -18791,27 +18779,39 @@
           <a:lstStyle/>
           <a:p>
             <a:r>
-              <a:rPr lang="it-IT" altLang="ja-JP" sz="8000" dirty="0"/>
-              <a:t>MLSA </a:t>
-            </a:r>
-            <a:r>
-              <a:rPr lang="ja-JP" altLang="it-IT" sz="8000" dirty="0"/>
-              <a:t>卒業式＆歓迎会！</a:t>
+              <a:rPr lang="ja-JP" altLang="en-US" sz="8000" dirty="0"/>
+              <a:t>学生ハンズオン </a:t>
             </a:r>
             <a:br>
               <a:rPr lang="en-US" altLang="ja-JP" sz="8000" dirty="0"/>
             </a:br>
             <a:r>
-              <a:rPr lang="it-IT" altLang="ja-JP" sz="8000" dirty="0"/>
-              <a:t>@Microsoft Base</a:t>
+              <a:rPr lang="en-US" altLang="ja-JP" sz="8000" dirty="0"/>
+              <a:t>~ChatGPT</a:t>
             </a:r>
             <a:r>
               <a:rPr lang="ja-JP" altLang="en-US" sz="8000" dirty="0"/>
-              <a:t>　</a:t>
-            </a:r>
-            <a:r>
-              <a:rPr lang="ja-JP" altLang="it-IT" sz="8000" dirty="0"/>
-              <a:t>代官山</a:t>
+              <a:t>を使った</a:t>
+            </a:r>
+            <a:r>
+              <a:rPr lang="en-US" altLang="ja-JP" sz="8000" dirty="0"/>
+              <a:t>LINE Bot</a:t>
+            </a:r>
+            <a:r>
+              <a:rPr lang="ja-JP" altLang="en-US" sz="8000" dirty="0"/>
+              <a:t>を</a:t>
+            </a:r>
+            <a:r>
+              <a:rPr lang="en-US" altLang="ja-JP" sz="8000" dirty="0"/>
+              <a:t>Azure</a:t>
+            </a:r>
+            <a:r>
+              <a:rPr lang="ja-JP" altLang="en-US" sz="8000" dirty="0"/>
+              <a:t>で作成してみよう！</a:t>
+            </a:r>
+            <a:r>
+              <a:rPr lang="en-US" altLang="ja-JP" sz="8000" dirty="0"/>
+              <a:t>~</a:t>
             </a:r>
             <a:endParaRPr lang="ja-JP" altLang="en-US" sz="8000" dirty="0"/>
           </a:p>
@@ -18866,7 +18866,7 @@
     </p:spTree>
     <p:extLst>
       <p:ext uri="{BB962C8B-B14F-4D97-AF65-F5344CB8AC3E}">
-        <p14:creationId xmlns:p14="http://schemas.microsoft.com/office/powerpoint/2010/main" val="1117786456"/>
+        <p14:creationId xmlns:p14="http://schemas.microsoft.com/office/powerpoint/2010/main" val="3891438780"/>
       </p:ext>
     </p:extLst>
   </p:cSld>
@@ -18953,7 +18953,7 @@
     </p:spTree>
     <p:extLst>
       <p:ext uri="{BB962C8B-B14F-4D97-AF65-F5344CB8AC3E}">
-        <p14:creationId xmlns:p14="http://schemas.microsoft.com/office/powerpoint/2010/main" val="3655302279"/>
+        <p14:creationId xmlns:p14="http://schemas.microsoft.com/office/powerpoint/2010/main" val="805981947"/>
       </p:ext>
     </p:extLst>
   </p:cSld>
@@ -19040,7 +19040,7 @@
     </p:spTree>
     <p:extLst>
       <p:ext uri="{BB962C8B-B14F-4D97-AF65-F5344CB8AC3E}">
-        <p14:creationId xmlns:p14="http://schemas.microsoft.com/office/powerpoint/2010/main" val="532655020"/>
+        <p14:creationId xmlns:p14="http://schemas.microsoft.com/office/powerpoint/2010/main" val="454250926"/>
       </p:ext>
     </p:extLst>
   </p:cSld>
